--- a/web/b23/4 Oral Presentation.pptx
+++ b/web/b23/4 Oral Presentation.pptx
@@ -4879,7 +4879,7 @@
         <p:spPr bwMode="auto">
           <a:xfrm>
             <a:off x="467544" y="1052736"/>
-            <a:ext cx="8424936" cy="4104456"/>
+            <a:ext cx="8424936" cy="4824536"/>
           </a:xfrm>
           <a:prstGeom prst="rect">
             <a:avLst/>
@@ -5284,7 +5284,7 @@
               <a:rPr lang="en-GB" sz="1600" dirty="0" smtClean="0">
                 <a:ea typeface="ＭＳ Ｐゴシック" pitchFamily="34" charset="-128"/>
               </a:rPr>
-              <a:t>English</a:t>
+              <a:t>English – use the same language for both</a:t>
             </a:r>
           </a:p>
           <a:p>
@@ -5297,8 +5297,11 @@
               <a:rPr lang="en-GB" sz="1600" dirty="0" smtClean="0">
                 <a:ea typeface="ＭＳ Ｐゴシック" pitchFamily="34" charset="-128"/>
               </a:rPr>
-              <a:t>It is recommended to use the same language as your bachelor report</a:t>
-            </a:r>
+              <a:t>Using the same language as your report has some obvious advantages</a:t>
+            </a:r>
+            <a:endParaRPr lang="en-GB" sz="1600" dirty="0" smtClean="0">
+              <a:ea typeface="ＭＳ Ｐゴシック" pitchFamily="34" charset="-128"/>
+            </a:endParaRPr>
           </a:p>
           <a:p>
             <a:pPr marL="728663" lvl="1" indent="-271463">
@@ -5310,7 +5313,13 @@
               <a:rPr lang="en-GB" sz="1600" dirty="0" smtClean="0">
                 <a:ea typeface="ＭＳ Ｐゴシック" pitchFamily="34" charset="-128"/>
               </a:rPr>
-              <a:t>Check with your advisor whether the censor is able to understand Danish</a:t>
+              <a:t>Check </a:t>
+            </a:r>
+            <a:r>
+              <a:rPr lang="en-GB" sz="1600" dirty="0" smtClean="0">
+                <a:ea typeface="ＭＳ Ｐゴシック" pitchFamily="34" charset="-128"/>
+              </a:rPr>
+              <a:t>with your advisor whether the censor is able to understand Danish</a:t>
             </a:r>
           </a:p>
           <a:p>
@@ -5356,20 +5365,7 @@
               </a:rPr>
               <a:t>15</a:t>
             </a:r>
-          </a:p>
-          <a:p>
-            <a:pPr marL="728663" lvl="1" indent="-271463">
-              <a:spcBef>
-                <a:spcPts val="300"/>
-              </a:spcBef>
-            </a:pPr>
-            <a:r>
-              <a:rPr lang="en-GB" sz="1600" dirty="0" smtClean="0">
-                <a:ea typeface="ＭＳ Ｐゴシック" pitchFamily="34" charset="-128"/>
-              </a:rPr>
-              <a:t>For more details talk to Gudmund S. Frandsen</a:t>
-            </a:r>
-            <a:endParaRPr lang="en-GB" sz="1600" dirty="0">
+            <a:endParaRPr lang="en-GB" sz="1600" dirty="0" smtClean="0">
               <a:ea typeface="ＭＳ Ｐゴシック" pitchFamily="34" charset="-128"/>
             </a:endParaRPr>
           </a:p>
@@ -8627,19 +8623,7 @@
               <a:rPr lang="en-GB" altLang="da-DK" sz="1600" kern="0" dirty="0" smtClean="0">
                 <a:ea typeface="ＭＳ Ｐゴシック" pitchFamily="34" charset="-128"/>
               </a:rPr>
-              <a:t>If you are in </a:t>
-            </a:r>
-            <a:r>
-              <a:rPr lang="en-GB" altLang="da-DK" sz="1600" kern="0" dirty="0" smtClean="0">
-                <a:ea typeface="ＭＳ Ｐゴシック" pitchFamily="34" charset="-128"/>
-              </a:rPr>
-              <a:t>a bachelor </a:t>
-            </a:r>
-            <a:r>
-              <a:rPr lang="en-GB" altLang="da-DK" sz="1600" kern="0" dirty="0" smtClean="0">
-                <a:ea typeface="ＭＳ Ｐゴシック" pitchFamily="34" charset="-128"/>
-              </a:rPr>
-              <a:t>group you are allowed to help each other – but avoid getting too identical presentations</a:t>
+              <a:t>If you are in a bachelor group you are allowed to help each other – but avoid getting too identical presentations</a:t>
             </a:r>
             <a:endParaRPr lang="en-GB" altLang="da-DK" sz="1600" kern="0" dirty="0">
               <a:ea typeface="ＭＳ Ｐゴシック" pitchFamily="34" charset="-128"/>
